--- a/Chapitre_02_Hyperstatisme/TD_02_MC2E_TODO/images/Figures.pptx
+++ b/Chapitre_02_Hyperstatisme/TD_02_MC2E_TODO/images/Figures.pptx
@@ -11,6 +11,7 @@
     <p:sldId id="262" r:id="rId5"/>
     <p:sldId id="259" r:id="rId6"/>
     <p:sldId id="258" r:id="rId7"/>
+    <p:sldId id="263" r:id="rId8"/>
   </p:sldIdLst>
   <p:sldSz cx="9144000" cy="6858000" type="screen4x3"/>
   <p:notesSz cx="6858000" cy="9144000"/>
@@ -293,7 +294,7 @@
           <a:p>
             <a:fld id="{AA309A6D-C09C-4548-B29A-6CF363A7E532}" type="datetimeFigureOut">
               <a:rPr lang="fr-FR" smtClean="0"/>
-              <a:t>27/03/2018</a:t>
+              <a:t>30/03/2018</a:t>
             </a:fld>
             <a:endParaRPr lang="fr-BE"/>
           </a:p>
@@ -458,7 +459,7 @@
           <a:p>
             <a:fld id="{AA309A6D-C09C-4548-B29A-6CF363A7E532}" type="datetimeFigureOut">
               <a:rPr lang="fr-FR" smtClean="0"/>
-              <a:t>27/03/2018</a:t>
+              <a:t>30/03/2018</a:t>
             </a:fld>
             <a:endParaRPr lang="fr-BE"/>
           </a:p>
@@ -633,7 +634,7 @@
           <a:p>
             <a:fld id="{AA309A6D-C09C-4548-B29A-6CF363A7E532}" type="datetimeFigureOut">
               <a:rPr lang="fr-FR" smtClean="0"/>
-              <a:t>27/03/2018</a:t>
+              <a:t>30/03/2018</a:t>
             </a:fld>
             <a:endParaRPr lang="fr-BE"/>
           </a:p>
@@ -798,7 +799,7 @@
           <a:p>
             <a:fld id="{AA309A6D-C09C-4548-B29A-6CF363A7E532}" type="datetimeFigureOut">
               <a:rPr lang="fr-FR" smtClean="0"/>
-              <a:t>27/03/2018</a:t>
+              <a:t>30/03/2018</a:t>
             </a:fld>
             <a:endParaRPr lang="fr-BE"/>
           </a:p>
@@ -1039,7 +1040,7 @@
           <a:p>
             <a:fld id="{AA309A6D-C09C-4548-B29A-6CF363A7E532}" type="datetimeFigureOut">
               <a:rPr lang="fr-FR" smtClean="0"/>
-              <a:t>27/03/2018</a:t>
+              <a:t>30/03/2018</a:t>
             </a:fld>
             <a:endParaRPr lang="fr-BE"/>
           </a:p>
@@ -1322,7 +1323,7 @@
           <a:p>
             <a:fld id="{AA309A6D-C09C-4548-B29A-6CF363A7E532}" type="datetimeFigureOut">
               <a:rPr lang="fr-FR" smtClean="0"/>
-              <a:t>27/03/2018</a:t>
+              <a:t>30/03/2018</a:t>
             </a:fld>
             <a:endParaRPr lang="fr-BE"/>
           </a:p>
@@ -1739,7 +1740,7 @@
           <a:p>
             <a:fld id="{AA309A6D-C09C-4548-B29A-6CF363A7E532}" type="datetimeFigureOut">
               <a:rPr lang="fr-FR" smtClean="0"/>
-              <a:t>27/03/2018</a:t>
+              <a:t>30/03/2018</a:t>
             </a:fld>
             <a:endParaRPr lang="fr-BE"/>
           </a:p>
@@ -1852,7 +1853,7 @@
           <a:p>
             <a:fld id="{AA309A6D-C09C-4548-B29A-6CF363A7E532}" type="datetimeFigureOut">
               <a:rPr lang="fr-FR" smtClean="0"/>
-              <a:t>27/03/2018</a:t>
+              <a:t>30/03/2018</a:t>
             </a:fld>
             <a:endParaRPr lang="fr-BE"/>
           </a:p>
@@ -1942,7 +1943,7 @@
           <a:p>
             <a:fld id="{AA309A6D-C09C-4548-B29A-6CF363A7E532}" type="datetimeFigureOut">
               <a:rPr lang="fr-FR" smtClean="0"/>
-              <a:t>27/03/2018</a:t>
+              <a:t>30/03/2018</a:t>
             </a:fld>
             <a:endParaRPr lang="fr-BE"/>
           </a:p>
@@ -2214,7 +2215,7 @@
           <a:p>
             <a:fld id="{AA309A6D-C09C-4548-B29A-6CF363A7E532}" type="datetimeFigureOut">
               <a:rPr lang="fr-FR" smtClean="0"/>
-              <a:t>27/03/2018</a:t>
+              <a:t>30/03/2018</a:t>
             </a:fld>
             <a:endParaRPr lang="fr-BE"/>
           </a:p>
@@ -2462,7 +2463,7 @@
           <a:p>
             <a:fld id="{AA309A6D-C09C-4548-B29A-6CF363A7E532}" type="datetimeFigureOut">
               <a:rPr lang="fr-FR" smtClean="0"/>
-              <a:t>27/03/2018</a:t>
+              <a:t>30/03/2018</a:t>
             </a:fld>
             <a:endParaRPr lang="fr-BE"/>
           </a:p>
@@ -2670,7 +2671,7 @@
           <a:p>
             <a:fld id="{AA309A6D-C09C-4548-B29A-6CF363A7E532}" type="datetimeFigureOut">
               <a:rPr lang="fr-FR" smtClean="0"/>
-              <a:t>27/03/2018</a:t>
+              <a:t>30/03/2018</a:t>
             </a:fld>
             <a:endParaRPr lang="fr-BE"/>
           </a:p>
@@ -7927,15 +7928,7 @@
                   <a:sysClr val="windowText" lastClr="000000"/>
                 </a:solidFill>
               </a:rPr>
-              <a:t>Domaine de </a:t>
-            </a:r>
-            <a:r>
-              <a:rPr lang="fr-FR" sz="1000" dirty="0" smtClean="0">
-                <a:solidFill>
-                  <a:sysClr val="windowText" lastClr="000000"/>
-                </a:solidFill>
-              </a:rPr>
-              <a:t>l’expérimentation</a:t>
+              <a:t>Domaine de l’expérimentation</a:t>
             </a:r>
             <a:endParaRPr lang="fr-FR" sz="1000" dirty="0">
               <a:solidFill>
@@ -8067,8 +8060,8 @@
           </a:p>
         </p:txBody>
       </p:sp>
-      <mc:AlternateContent xmlns:mc="http://schemas.openxmlformats.org/markup-compatibility/2006">
-        <mc:Choice xmlns:a14="http://schemas.microsoft.com/office/drawing/2010/main" Requires="a14">
+      <mc:AlternateContent xmlns:mc="http://schemas.openxmlformats.org/markup-compatibility/2006" xmlns:a14="http://schemas.microsoft.com/office/drawing/2010/main">
+        <mc:Choice Requires="a14">
           <p:sp>
             <p:nvSpPr>
               <p:cNvPr id="4" name="Double flèche horizontale 3"/>
@@ -8313,7 +8306,7 @@
             </p:txBody>
           </p:sp>
         </mc:Choice>
-        <mc:Fallback>
+        <mc:Fallback xmlns="">
           <p:sp>
             <p:nvSpPr>
               <p:cNvPr id="4" name="Double flèche horizontale 3"/>
@@ -8784,15 +8777,7 @@
                   <a:sysClr val="windowText" lastClr="000000"/>
                 </a:solidFill>
               </a:rPr>
-              <a:t>Domaine de </a:t>
-            </a:r>
-            <a:r>
-              <a:rPr lang="fr-FR" sz="1000" dirty="0" smtClean="0">
-                <a:solidFill>
-                  <a:sysClr val="windowText" lastClr="000000"/>
-                </a:solidFill>
-              </a:rPr>
-              <a:t>l’expérimentation</a:t>
+              <a:t>Domaine de l’expérimentation</a:t>
             </a:r>
             <a:endParaRPr lang="fr-FR" sz="1000" dirty="0">
               <a:solidFill>
@@ -12506,6 +12491,1251 @@
 </p:sld>
 </file>
 
+<file path=ppt/slides/slide7.xml><?xml version="1.0" encoding="utf-8"?>
+<p:sld xmlns:a="http://schemas.openxmlformats.org/drawingml/2006/main" xmlns:r="http://schemas.openxmlformats.org/officeDocument/2006/relationships" xmlns:p="http://schemas.openxmlformats.org/presentationml/2006/main">
+  <p:cSld>
+    <p:spTree>
+      <p:nvGrpSpPr>
+        <p:cNvPr id="1" name=""/>
+        <p:cNvGrpSpPr/>
+        <p:nvPr/>
+      </p:nvGrpSpPr>
+      <p:grpSpPr>
+        <a:xfrm>
+          <a:off x="0" y="0"/>
+          <a:ext cx="0" cy="0"/>
+          <a:chOff x="0" y="0"/>
+          <a:chExt cx="0" cy="0"/>
+        </a:xfrm>
+      </p:grpSpPr>
+      <p:sp>
+        <p:nvSpPr>
+          <p:cNvPr id="15" name="Rectangle 14"/>
+          <p:cNvSpPr/>
+          <p:nvPr/>
+        </p:nvSpPr>
+        <p:spPr>
+          <a:xfrm>
+            <a:off x="0" y="1813200"/>
+            <a:ext cx="152400" cy="286396"/>
+          </a:xfrm>
+          <a:prstGeom prst="rect">
+            <a:avLst/>
+          </a:prstGeom>
+          <a:solidFill>
+            <a:schemeClr val="accent6">
+              <a:lumMod val="20000"/>
+              <a:lumOff val="80000"/>
+            </a:schemeClr>
+          </a:solidFill>
+          <a:ln w="19050">
+            <a:noFill/>
+          </a:ln>
+        </p:spPr>
+        <p:style>
+          <a:lnRef idx="2">
+            <a:schemeClr val="accent1">
+              <a:shade val="50000"/>
+            </a:schemeClr>
+          </a:lnRef>
+          <a:fillRef idx="1">
+            <a:schemeClr val="accent1"/>
+          </a:fillRef>
+          <a:effectRef idx="0">
+            <a:schemeClr val="accent1"/>
+          </a:effectRef>
+          <a:fontRef idx="minor">
+            <a:schemeClr val="lt1"/>
+          </a:fontRef>
+        </p:style>
+        <p:txBody>
+          <a:bodyPr rtlCol="0" anchor="ctr"/>
+          <a:lstStyle/>
+          <a:p>
+            <a:pPr algn="ctr"/>
+            <a:endParaRPr lang="fr-FR" sz="1400" b="1">
+              <a:solidFill>
+                <a:schemeClr val="accent6">
+                  <a:lumMod val="50000"/>
+                </a:schemeClr>
+              </a:solidFill>
+            </a:endParaRPr>
+          </a:p>
+        </p:txBody>
+      </p:sp>
+      <p:sp>
+        <p:nvSpPr>
+          <p:cNvPr id="4" name="Ellipse 3"/>
+          <p:cNvSpPr/>
+          <p:nvPr/>
+        </p:nvSpPr>
+        <p:spPr>
+          <a:xfrm>
+            <a:off x="1061610" y="1813199"/>
+            <a:ext cx="288032" cy="288032"/>
+          </a:xfrm>
+          <a:prstGeom prst="ellipse">
+            <a:avLst/>
+          </a:prstGeom>
+          <a:solidFill>
+            <a:schemeClr val="accent4">
+              <a:lumMod val="20000"/>
+              <a:lumOff val="80000"/>
+            </a:schemeClr>
+          </a:solidFill>
+          <a:ln w="19050">
+            <a:solidFill>
+              <a:schemeClr val="accent4"/>
+            </a:solidFill>
+          </a:ln>
+        </p:spPr>
+        <p:style>
+          <a:lnRef idx="2">
+            <a:schemeClr val="accent1">
+              <a:shade val="50000"/>
+            </a:schemeClr>
+          </a:lnRef>
+          <a:fillRef idx="1">
+            <a:schemeClr val="accent1"/>
+          </a:fillRef>
+          <a:effectRef idx="0">
+            <a:schemeClr val="accent1"/>
+          </a:effectRef>
+          <a:fontRef idx="minor">
+            <a:schemeClr val="lt1"/>
+          </a:fontRef>
+        </p:style>
+        <p:txBody>
+          <a:bodyPr rtlCol="0" anchor="ctr"/>
+          <a:lstStyle/>
+          <a:p>
+            <a:pPr algn="ctr"/>
+            <a:r>
+              <a:rPr lang="fr-FR" sz="1400" b="1" dirty="0" smtClean="0">
+                <a:solidFill>
+                  <a:schemeClr val="accent4"/>
+                </a:solidFill>
+              </a:rPr>
+              <a:t>1</a:t>
+            </a:r>
+            <a:endParaRPr lang="fr-FR" sz="1400" b="1" dirty="0">
+              <a:solidFill>
+                <a:schemeClr val="accent4"/>
+              </a:solidFill>
+            </a:endParaRPr>
+          </a:p>
+        </p:txBody>
+      </p:sp>
+      <p:sp>
+        <p:nvSpPr>
+          <p:cNvPr id="5" name="Ellipse 4"/>
+          <p:cNvSpPr/>
+          <p:nvPr/>
+        </p:nvSpPr>
+        <p:spPr>
+          <a:xfrm>
+            <a:off x="1799692" y="1813199"/>
+            <a:ext cx="288032" cy="288032"/>
+          </a:xfrm>
+          <a:prstGeom prst="ellipse">
+            <a:avLst/>
+          </a:prstGeom>
+          <a:solidFill>
+            <a:schemeClr val="accent2">
+              <a:lumMod val="20000"/>
+              <a:lumOff val="80000"/>
+            </a:schemeClr>
+          </a:solidFill>
+          <a:ln w="19050">
+            <a:solidFill>
+              <a:schemeClr val="accent2"/>
+            </a:solidFill>
+          </a:ln>
+        </p:spPr>
+        <p:style>
+          <a:lnRef idx="2">
+            <a:schemeClr val="accent1">
+              <a:shade val="50000"/>
+            </a:schemeClr>
+          </a:lnRef>
+          <a:fillRef idx="1">
+            <a:schemeClr val="accent1"/>
+          </a:fillRef>
+          <a:effectRef idx="0">
+            <a:schemeClr val="accent1"/>
+          </a:effectRef>
+          <a:fontRef idx="minor">
+            <a:schemeClr val="lt1"/>
+          </a:fontRef>
+        </p:style>
+        <p:txBody>
+          <a:bodyPr rtlCol="0" anchor="ctr"/>
+          <a:lstStyle/>
+          <a:p>
+            <a:pPr algn="ctr"/>
+            <a:r>
+              <a:rPr lang="fr-FR" sz="1400" b="1" dirty="0">
+                <a:solidFill>
+                  <a:schemeClr val="accent2"/>
+                </a:solidFill>
+              </a:rPr>
+              <a:t>2</a:t>
+            </a:r>
+          </a:p>
+        </p:txBody>
+      </p:sp>
+      <p:sp>
+        <p:nvSpPr>
+          <p:cNvPr id="6" name="Ellipse 5"/>
+          <p:cNvSpPr/>
+          <p:nvPr/>
+        </p:nvSpPr>
+        <p:spPr>
+          <a:xfrm>
+            <a:off x="2537774" y="1813199"/>
+            <a:ext cx="288032" cy="288032"/>
+          </a:xfrm>
+          <a:prstGeom prst="ellipse">
+            <a:avLst/>
+          </a:prstGeom>
+          <a:solidFill>
+            <a:schemeClr val="accent3">
+              <a:lumMod val="20000"/>
+              <a:lumOff val="80000"/>
+            </a:schemeClr>
+          </a:solidFill>
+          <a:ln w="19050">
+            <a:solidFill>
+              <a:schemeClr val="accent3"/>
+            </a:solidFill>
+          </a:ln>
+        </p:spPr>
+        <p:style>
+          <a:lnRef idx="2">
+            <a:schemeClr val="accent1">
+              <a:shade val="50000"/>
+            </a:schemeClr>
+          </a:lnRef>
+          <a:fillRef idx="1">
+            <a:schemeClr val="accent1"/>
+          </a:fillRef>
+          <a:effectRef idx="0">
+            <a:schemeClr val="accent1"/>
+          </a:effectRef>
+          <a:fontRef idx="minor">
+            <a:schemeClr val="lt1"/>
+          </a:fontRef>
+        </p:style>
+        <p:txBody>
+          <a:bodyPr rtlCol="0" anchor="ctr"/>
+          <a:lstStyle/>
+          <a:p>
+            <a:pPr algn="ctr"/>
+            <a:r>
+              <a:rPr lang="fr-FR" sz="1400" b="1" dirty="0" smtClean="0">
+                <a:solidFill>
+                  <a:schemeClr val="accent3"/>
+                </a:solidFill>
+              </a:rPr>
+              <a:t>3</a:t>
+            </a:r>
+            <a:endParaRPr lang="fr-FR" sz="1400" b="1" dirty="0">
+              <a:solidFill>
+                <a:schemeClr val="accent3"/>
+              </a:solidFill>
+            </a:endParaRPr>
+          </a:p>
+        </p:txBody>
+      </p:sp>
+      <p:sp>
+        <p:nvSpPr>
+          <p:cNvPr id="7" name="Ellipse 6"/>
+          <p:cNvSpPr/>
+          <p:nvPr/>
+        </p:nvSpPr>
+        <p:spPr>
+          <a:xfrm>
+            <a:off x="3275856" y="1813199"/>
+            <a:ext cx="288032" cy="288032"/>
+          </a:xfrm>
+          <a:prstGeom prst="ellipse">
+            <a:avLst/>
+          </a:prstGeom>
+          <a:solidFill>
+            <a:schemeClr val="bg1">
+              <a:lumMod val="85000"/>
+            </a:schemeClr>
+          </a:solidFill>
+          <a:ln w="19050">
+            <a:solidFill>
+              <a:schemeClr val="tx1"/>
+            </a:solidFill>
+          </a:ln>
+        </p:spPr>
+        <p:style>
+          <a:lnRef idx="2">
+            <a:schemeClr val="accent1">
+              <a:shade val="50000"/>
+            </a:schemeClr>
+          </a:lnRef>
+          <a:fillRef idx="1">
+            <a:schemeClr val="accent1"/>
+          </a:fillRef>
+          <a:effectRef idx="0">
+            <a:schemeClr val="accent1"/>
+          </a:effectRef>
+          <a:fontRef idx="minor">
+            <a:schemeClr val="lt1"/>
+          </a:fontRef>
+        </p:style>
+        <p:txBody>
+          <a:bodyPr rtlCol="0" anchor="ctr"/>
+          <a:lstStyle/>
+          <a:p>
+            <a:pPr algn="ctr"/>
+            <a:r>
+              <a:rPr lang="fr-FR" sz="1400" b="1" dirty="0" smtClean="0">
+                <a:solidFill>
+                  <a:schemeClr val="tx1"/>
+                </a:solidFill>
+              </a:rPr>
+              <a:t>4</a:t>
+            </a:r>
+            <a:endParaRPr lang="fr-FR" sz="1400" b="1" dirty="0">
+              <a:solidFill>
+                <a:schemeClr val="tx1"/>
+              </a:solidFill>
+            </a:endParaRPr>
+          </a:p>
+        </p:txBody>
+      </p:sp>
+      <p:sp>
+        <p:nvSpPr>
+          <p:cNvPr id="8" name="Ellipse 7"/>
+          <p:cNvSpPr/>
+          <p:nvPr/>
+        </p:nvSpPr>
+        <p:spPr>
+          <a:xfrm>
+            <a:off x="323528" y="1813199"/>
+            <a:ext cx="288032" cy="288032"/>
+          </a:xfrm>
+          <a:prstGeom prst="ellipse">
+            <a:avLst/>
+          </a:prstGeom>
+          <a:solidFill>
+            <a:schemeClr val="accent6">
+              <a:lumMod val="20000"/>
+              <a:lumOff val="80000"/>
+            </a:schemeClr>
+          </a:solidFill>
+          <a:ln w="19050">
+            <a:solidFill>
+              <a:schemeClr val="accent6">
+                <a:lumMod val="50000"/>
+              </a:schemeClr>
+            </a:solidFill>
+          </a:ln>
+        </p:spPr>
+        <p:style>
+          <a:lnRef idx="2">
+            <a:schemeClr val="accent1">
+              <a:shade val="50000"/>
+            </a:schemeClr>
+          </a:lnRef>
+          <a:fillRef idx="1">
+            <a:schemeClr val="accent1"/>
+          </a:fillRef>
+          <a:effectRef idx="0">
+            <a:schemeClr val="accent1"/>
+          </a:effectRef>
+          <a:fontRef idx="minor">
+            <a:schemeClr val="lt1"/>
+          </a:fontRef>
+        </p:style>
+        <p:txBody>
+          <a:bodyPr rtlCol="0" anchor="ctr"/>
+          <a:lstStyle/>
+          <a:p>
+            <a:pPr algn="ctr"/>
+            <a:r>
+              <a:rPr lang="fr-FR" sz="1400" b="1" dirty="0" smtClean="0">
+                <a:solidFill>
+                  <a:schemeClr val="accent6">
+                    <a:lumMod val="50000"/>
+                  </a:schemeClr>
+                </a:solidFill>
+              </a:rPr>
+              <a:t>0</a:t>
+            </a:r>
+            <a:endParaRPr lang="fr-FR" sz="1400" b="1" dirty="0">
+              <a:solidFill>
+                <a:schemeClr val="accent6">
+                  <a:lumMod val="50000"/>
+                </a:schemeClr>
+              </a:solidFill>
+            </a:endParaRPr>
+          </a:p>
+        </p:txBody>
+      </p:sp>
+      <p:cxnSp>
+        <p:nvCxnSpPr>
+          <p:cNvPr id="10" name="Connecteur droit 9"/>
+          <p:cNvCxnSpPr>
+            <a:stCxn id="8" idx="6"/>
+            <a:endCxn id="4" idx="2"/>
+          </p:cNvCxnSpPr>
+          <p:nvPr/>
+        </p:nvCxnSpPr>
+        <p:spPr>
+          <a:xfrm>
+            <a:off x="611560" y="1957215"/>
+            <a:ext cx="450050" cy="0"/>
+          </a:xfrm>
+          <a:prstGeom prst="line">
+            <a:avLst/>
+          </a:prstGeom>
+          <a:ln w="19050">
+            <a:solidFill>
+              <a:schemeClr val="tx1"/>
+            </a:solidFill>
+          </a:ln>
+        </p:spPr>
+        <p:style>
+          <a:lnRef idx="1">
+            <a:schemeClr val="accent1"/>
+          </a:lnRef>
+          <a:fillRef idx="0">
+            <a:schemeClr val="accent1"/>
+          </a:fillRef>
+          <a:effectRef idx="0">
+            <a:schemeClr val="accent1"/>
+          </a:effectRef>
+          <a:fontRef idx="minor">
+            <a:schemeClr val="tx1"/>
+          </a:fontRef>
+        </p:style>
+      </p:cxnSp>
+      <p:cxnSp>
+        <p:nvCxnSpPr>
+          <p:cNvPr id="11" name="Connecteur droit 10"/>
+          <p:cNvCxnSpPr>
+            <a:stCxn id="5" idx="2"/>
+            <a:endCxn id="4" idx="6"/>
+          </p:cNvCxnSpPr>
+          <p:nvPr/>
+        </p:nvCxnSpPr>
+        <p:spPr>
+          <a:xfrm flipH="1">
+            <a:off x="1349642" y="1957215"/>
+            <a:ext cx="450050" cy="0"/>
+          </a:xfrm>
+          <a:prstGeom prst="line">
+            <a:avLst/>
+          </a:prstGeom>
+          <a:ln w="19050">
+            <a:solidFill>
+              <a:schemeClr val="tx1"/>
+            </a:solidFill>
+          </a:ln>
+        </p:spPr>
+        <p:style>
+          <a:lnRef idx="1">
+            <a:schemeClr val="accent1"/>
+          </a:lnRef>
+          <a:fillRef idx="0">
+            <a:schemeClr val="accent1"/>
+          </a:fillRef>
+          <a:effectRef idx="0">
+            <a:schemeClr val="accent1"/>
+          </a:effectRef>
+          <a:fontRef idx="minor">
+            <a:schemeClr val="tx1"/>
+          </a:fontRef>
+        </p:style>
+      </p:cxnSp>
+      <p:cxnSp>
+        <p:nvCxnSpPr>
+          <p:cNvPr id="14" name="Connecteur droit 13"/>
+          <p:cNvCxnSpPr>
+            <a:stCxn id="6" idx="2"/>
+            <a:endCxn id="5" idx="6"/>
+          </p:cNvCxnSpPr>
+          <p:nvPr/>
+        </p:nvCxnSpPr>
+        <p:spPr>
+          <a:xfrm flipH="1">
+            <a:off x="2087724" y="1957215"/>
+            <a:ext cx="450050" cy="0"/>
+          </a:xfrm>
+          <a:prstGeom prst="line">
+            <a:avLst/>
+          </a:prstGeom>
+          <a:ln w="19050">
+            <a:solidFill>
+              <a:schemeClr val="tx1"/>
+            </a:solidFill>
+          </a:ln>
+        </p:spPr>
+        <p:style>
+          <a:lnRef idx="1">
+            <a:schemeClr val="accent1"/>
+          </a:lnRef>
+          <a:fillRef idx="0">
+            <a:schemeClr val="accent1"/>
+          </a:fillRef>
+          <a:effectRef idx="0">
+            <a:schemeClr val="accent1"/>
+          </a:effectRef>
+          <a:fontRef idx="minor">
+            <a:schemeClr val="tx1"/>
+          </a:fontRef>
+        </p:style>
+      </p:cxnSp>
+      <p:cxnSp>
+        <p:nvCxnSpPr>
+          <p:cNvPr id="17" name="Connecteur droit 16"/>
+          <p:cNvCxnSpPr>
+            <a:stCxn id="7" idx="2"/>
+            <a:endCxn id="6" idx="6"/>
+          </p:cNvCxnSpPr>
+          <p:nvPr/>
+        </p:nvCxnSpPr>
+        <p:spPr>
+          <a:xfrm flipH="1">
+            <a:off x="2825806" y="1957215"/>
+            <a:ext cx="450050" cy="0"/>
+          </a:xfrm>
+          <a:prstGeom prst="line">
+            <a:avLst/>
+          </a:prstGeom>
+          <a:ln w="19050">
+            <a:solidFill>
+              <a:schemeClr val="tx1"/>
+            </a:solidFill>
+          </a:ln>
+        </p:spPr>
+        <p:style>
+          <a:lnRef idx="1">
+            <a:schemeClr val="accent1"/>
+          </a:lnRef>
+          <a:fillRef idx="0">
+            <a:schemeClr val="accent1"/>
+          </a:fillRef>
+          <a:effectRef idx="0">
+            <a:schemeClr val="accent1"/>
+          </a:effectRef>
+          <a:fontRef idx="minor">
+            <a:schemeClr val="tx1"/>
+          </a:fontRef>
+        </p:style>
+      </p:cxnSp>
+      <mc:AlternateContent xmlns:mc="http://schemas.openxmlformats.org/markup-compatibility/2006">
+        <mc:Choice xmlns:a14="http://schemas.microsoft.com/office/drawing/2010/main" Requires="a14">
+          <p:sp>
+            <p:nvSpPr>
+              <p:cNvPr id="31" name="ZoneTexte 30"/>
+              <p:cNvSpPr txBox="1"/>
+              <p:nvPr/>
+            </p:nvSpPr>
+            <p:spPr>
+              <a:xfrm rot="2700000">
+                <a:off x="583745" y="2358459"/>
+                <a:ext cx="901722" cy="261610"/>
+              </a:xfrm>
+              <a:prstGeom prst="rect">
+                <a:avLst/>
+              </a:prstGeom>
+              <a:noFill/>
+            </p:spPr>
+            <p:txBody>
+              <a:bodyPr wrap="none" rtlCol="0">
+                <a:spAutoFit/>
+              </a:bodyPr>
+              <a:lstStyle/>
+              <a:p>
+                <a:r>
+                  <a:rPr lang="fr-FR" sz="1100" b="0" dirty="0" smtClean="0"/>
+                  <a:t>Pivot </a:t>
+                </a:r>
+                <a14:m>
+                  <m:oMath xmlns:m="http://schemas.openxmlformats.org/officeDocument/2006/math">
+                    <m:d>
+                      <m:dPr>
+                        <m:ctrlPr>
+                          <a:rPr lang="fr-FR" sz="1100" b="0" i="1" smtClean="0">
+                            <a:latin typeface="Cambria Math"/>
+                          </a:rPr>
+                        </m:ctrlPr>
+                      </m:dPr>
+                      <m:e>
+                        <m:r>
+                          <a:rPr lang="fr-FR" sz="1100" b="0" i="1" smtClean="0">
+                            <a:latin typeface="Cambria Math"/>
+                          </a:rPr>
+                          <m:t>𝑂</m:t>
+                        </m:r>
+                        <m:r>
+                          <a:rPr lang="fr-FR" sz="1100" b="0" i="1" smtClean="0">
+                            <a:latin typeface="Cambria Math"/>
+                          </a:rPr>
+                          <m:t>,</m:t>
+                        </m:r>
+                        <m:acc>
+                          <m:accPr>
+                            <m:chr m:val="⃗"/>
+                            <m:ctrlPr>
+                              <a:rPr lang="fr-FR" sz="1100" b="0" i="1" smtClean="0">
+                                <a:latin typeface="Cambria Math"/>
+                              </a:rPr>
+                            </m:ctrlPr>
+                          </m:accPr>
+                          <m:e>
+                            <m:sSub>
+                              <m:sSubPr>
+                                <m:ctrlPr>
+                                  <a:rPr lang="fr-FR" sz="1100" b="0" i="1" smtClean="0">
+                                    <a:latin typeface="Cambria Math"/>
+                                  </a:rPr>
+                                </m:ctrlPr>
+                              </m:sSubPr>
+                              <m:e>
+                                <m:r>
+                                  <a:rPr lang="fr-FR" sz="1100" b="0" i="1" smtClean="0">
+                                    <a:latin typeface="Cambria Math"/>
+                                  </a:rPr>
+                                  <m:t>𝑧</m:t>
+                                </m:r>
+                              </m:e>
+                              <m:sub>
+                                <m:r>
+                                  <a:rPr lang="fr-FR" sz="1100" b="0" i="1" smtClean="0">
+                                    <a:latin typeface="Cambria Math"/>
+                                  </a:rPr>
+                                  <m:t>1</m:t>
+                                </m:r>
+                              </m:sub>
+                            </m:sSub>
+                          </m:e>
+                        </m:acc>
+                      </m:e>
+                    </m:d>
+                  </m:oMath>
+                </a14:m>
+                <a:endParaRPr lang="fr-FR" sz="1100" dirty="0"/>
+              </a:p>
+            </p:txBody>
+          </p:sp>
+        </mc:Choice>
+        <mc:Fallback>
+          <p:sp>
+            <p:nvSpPr>
+              <p:cNvPr id="31" name="ZoneTexte 30"/>
+              <p:cNvSpPr txBox="1">
+                <a:spLocks noRot="1" noChangeAspect="1" noMove="1" noResize="1" noEditPoints="1" noAdjustHandles="1" noChangeArrowheads="1" noChangeShapeType="1" noTextEdit="1"/>
+              </p:cNvSpPr>
+              <p:nvPr/>
+            </p:nvSpPr>
+            <p:spPr>
+              <a:xfrm rot="2700000">
+                <a:off x="583745" y="2358459"/>
+                <a:ext cx="901722" cy="261610"/>
+              </a:xfrm>
+              <a:prstGeom prst="rect">
+                <a:avLst/>
+              </a:prstGeom>
+              <a:blipFill rotWithShape="1">
+                <a:blip r:embed="rId2"/>
+                <a:stretch>
+                  <a:fillRect l="-2941"/>
+                </a:stretch>
+              </a:blipFill>
+            </p:spPr>
+            <p:txBody>
+              <a:bodyPr/>
+              <a:lstStyle/>
+              <a:p>
+                <a:r>
+                  <a:rPr lang="fr-FR">
+                    <a:noFill/>
+                  </a:rPr>
+                  <a:t> </a:t>
+                </a:r>
+              </a:p>
+            </p:txBody>
+          </p:sp>
+        </mc:Fallback>
+      </mc:AlternateContent>
+      <mc:AlternateContent xmlns:mc="http://schemas.openxmlformats.org/markup-compatibility/2006">
+        <mc:Choice xmlns:a14="http://schemas.microsoft.com/office/drawing/2010/main" Requires="a14">
+          <p:sp>
+            <p:nvSpPr>
+              <p:cNvPr id="32" name="ZoneTexte 31"/>
+              <p:cNvSpPr txBox="1"/>
+              <p:nvPr/>
+            </p:nvSpPr>
+            <p:spPr>
+              <a:xfrm rot="2700000">
+                <a:off x="1329193" y="2358459"/>
+                <a:ext cx="904991" cy="261610"/>
+              </a:xfrm>
+              <a:prstGeom prst="rect">
+                <a:avLst/>
+              </a:prstGeom>
+              <a:noFill/>
+            </p:spPr>
+            <p:txBody>
+              <a:bodyPr wrap="none" rtlCol="0">
+                <a:spAutoFit/>
+              </a:bodyPr>
+              <a:lstStyle/>
+              <a:p>
+                <a:r>
+                  <a:rPr lang="fr-FR" sz="1100" b="0" dirty="0" smtClean="0"/>
+                  <a:t>Pivot </a:t>
+                </a:r>
+                <a14:m>
+                  <m:oMath xmlns:m="http://schemas.openxmlformats.org/officeDocument/2006/math">
+                    <m:d>
+                      <m:dPr>
+                        <m:ctrlPr>
+                          <a:rPr lang="fr-FR" sz="1100" b="0" i="1" smtClean="0">
+                            <a:latin typeface="Cambria Math"/>
+                          </a:rPr>
+                        </m:ctrlPr>
+                      </m:dPr>
+                      <m:e>
+                        <m:r>
+                          <a:rPr lang="fr-FR" sz="1100" b="0" i="1" smtClean="0">
+                            <a:latin typeface="Cambria Math"/>
+                          </a:rPr>
+                          <m:t>𝑂</m:t>
+                        </m:r>
+                        <m:r>
+                          <a:rPr lang="fr-FR" sz="1100" b="0" i="1" smtClean="0">
+                            <a:latin typeface="Cambria Math"/>
+                          </a:rPr>
+                          <m:t>,</m:t>
+                        </m:r>
+                        <m:acc>
+                          <m:accPr>
+                            <m:chr m:val="⃗"/>
+                            <m:ctrlPr>
+                              <a:rPr lang="fr-FR" sz="1100" b="0" i="1" smtClean="0">
+                                <a:latin typeface="Cambria Math"/>
+                              </a:rPr>
+                            </m:ctrlPr>
+                          </m:accPr>
+                          <m:e>
+                            <m:sSub>
+                              <m:sSubPr>
+                                <m:ctrlPr>
+                                  <a:rPr lang="fr-FR" sz="1100" b="0" i="1" smtClean="0">
+                                    <a:latin typeface="Cambria Math"/>
+                                  </a:rPr>
+                                </m:ctrlPr>
+                              </m:sSubPr>
+                              <m:e>
+                                <m:r>
+                                  <a:rPr lang="fr-FR" sz="1100" b="0" i="1" smtClean="0">
+                                    <a:latin typeface="Cambria Math"/>
+                                  </a:rPr>
+                                  <m:t>𝑧</m:t>
+                                </m:r>
+                              </m:e>
+                              <m:sub>
+                                <m:r>
+                                  <a:rPr lang="fr-FR" sz="1100" b="0" i="1" smtClean="0">
+                                    <a:latin typeface="Cambria Math"/>
+                                  </a:rPr>
+                                  <m:t>2</m:t>
+                                </m:r>
+                              </m:sub>
+                            </m:sSub>
+                          </m:e>
+                        </m:acc>
+                      </m:e>
+                    </m:d>
+                  </m:oMath>
+                </a14:m>
+                <a:endParaRPr lang="fr-FR" sz="1100" dirty="0"/>
+              </a:p>
+            </p:txBody>
+          </p:sp>
+        </mc:Choice>
+        <mc:Fallback>
+          <p:sp>
+            <p:nvSpPr>
+              <p:cNvPr id="32" name="ZoneTexte 31"/>
+              <p:cNvSpPr txBox="1">
+                <a:spLocks noRot="1" noChangeAspect="1" noMove="1" noResize="1" noEditPoints="1" noAdjustHandles="1" noChangeArrowheads="1" noChangeShapeType="1" noTextEdit="1"/>
+              </p:cNvSpPr>
+              <p:nvPr/>
+            </p:nvSpPr>
+            <p:spPr>
+              <a:xfrm rot="2700000">
+                <a:off x="1329193" y="2358459"/>
+                <a:ext cx="904991" cy="261610"/>
+              </a:xfrm>
+              <a:prstGeom prst="rect">
+                <a:avLst/>
+              </a:prstGeom>
+              <a:blipFill rotWithShape="1">
+                <a:blip r:embed="rId3"/>
+                <a:stretch>
+                  <a:fillRect l="-2941"/>
+                </a:stretch>
+              </a:blipFill>
+            </p:spPr>
+            <p:txBody>
+              <a:bodyPr/>
+              <a:lstStyle/>
+              <a:p>
+                <a:r>
+                  <a:rPr lang="fr-FR">
+                    <a:noFill/>
+                  </a:rPr>
+                  <a:t> </a:t>
+                </a:r>
+              </a:p>
+            </p:txBody>
+          </p:sp>
+        </mc:Fallback>
+      </mc:AlternateContent>
+      <mc:AlternateContent xmlns:mc="http://schemas.openxmlformats.org/markup-compatibility/2006">
+        <mc:Choice xmlns:a14="http://schemas.microsoft.com/office/drawing/2010/main" Requires="a14">
+          <p:sp>
+            <p:nvSpPr>
+              <p:cNvPr id="33" name="ZoneTexte 32"/>
+              <p:cNvSpPr txBox="1"/>
+              <p:nvPr/>
+            </p:nvSpPr>
+            <p:spPr>
+              <a:xfrm rot="2700000">
+                <a:off x="2076276" y="2358459"/>
+                <a:ext cx="904991" cy="261610"/>
+              </a:xfrm>
+              <a:prstGeom prst="rect">
+                <a:avLst/>
+              </a:prstGeom>
+              <a:noFill/>
+            </p:spPr>
+            <p:txBody>
+              <a:bodyPr wrap="none" rtlCol="0">
+                <a:spAutoFit/>
+              </a:bodyPr>
+              <a:lstStyle/>
+              <a:p>
+                <a:r>
+                  <a:rPr lang="fr-FR" sz="1100" b="0" dirty="0" smtClean="0"/>
+                  <a:t>Pivot </a:t>
+                </a:r>
+                <a14:m>
+                  <m:oMath xmlns:m="http://schemas.openxmlformats.org/officeDocument/2006/math">
+                    <m:d>
+                      <m:dPr>
+                        <m:ctrlPr>
+                          <a:rPr lang="fr-FR" sz="1100" b="0" i="1" smtClean="0">
+                            <a:latin typeface="Cambria Math"/>
+                          </a:rPr>
+                        </m:ctrlPr>
+                      </m:dPr>
+                      <m:e>
+                        <m:r>
+                          <a:rPr lang="fr-FR" sz="1100" b="0" i="1" smtClean="0">
+                            <a:latin typeface="Cambria Math"/>
+                          </a:rPr>
+                          <m:t>𝑂</m:t>
+                        </m:r>
+                        <m:r>
+                          <a:rPr lang="fr-FR" sz="1100" b="0" i="1" smtClean="0">
+                            <a:latin typeface="Cambria Math"/>
+                          </a:rPr>
+                          <m:t>,</m:t>
+                        </m:r>
+                        <m:acc>
+                          <m:accPr>
+                            <m:chr m:val="⃗"/>
+                            <m:ctrlPr>
+                              <a:rPr lang="fr-FR" sz="1100" b="0" i="1" smtClean="0">
+                                <a:latin typeface="Cambria Math"/>
+                              </a:rPr>
+                            </m:ctrlPr>
+                          </m:accPr>
+                          <m:e>
+                            <m:sSub>
+                              <m:sSubPr>
+                                <m:ctrlPr>
+                                  <a:rPr lang="fr-FR" sz="1100" b="0" i="1" smtClean="0">
+                                    <a:latin typeface="Cambria Math"/>
+                                  </a:rPr>
+                                </m:ctrlPr>
+                              </m:sSubPr>
+                              <m:e>
+                                <m:r>
+                                  <a:rPr lang="fr-FR" sz="1100" b="0" i="1" smtClean="0">
+                                    <a:latin typeface="Cambria Math"/>
+                                  </a:rPr>
+                                  <m:t>𝑧</m:t>
+                                </m:r>
+                              </m:e>
+                              <m:sub>
+                                <m:r>
+                                  <a:rPr lang="fr-FR" sz="1100" b="0" i="1" smtClean="0">
+                                    <a:latin typeface="Cambria Math"/>
+                                  </a:rPr>
+                                  <m:t>3</m:t>
+                                </m:r>
+                              </m:sub>
+                            </m:sSub>
+                          </m:e>
+                        </m:acc>
+                      </m:e>
+                    </m:d>
+                  </m:oMath>
+                </a14:m>
+                <a:endParaRPr lang="fr-FR" sz="1100" dirty="0"/>
+              </a:p>
+            </p:txBody>
+          </p:sp>
+        </mc:Choice>
+        <mc:Fallback>
+          <p:sp>
+            <p:nvSpPr>
+              <p:cNvPr id="33" name="ZoneTexte 32"/>
+              <p:cNvSpPr txBox="1">
+                <a:spLocks noRot="1" noChangeAspect="1" noMove="1" noResize="1" noEditPoints="1" noAdjustHandles="1" noChangeArrowheads="1" noChangeShapeType="1" noTextEdit="1"/>
+              </p:cNvSpPr>
+              <p:nvPr/>
+            </p:nvSpPr>
+            <p:spPr>
+              <a:xfrm rot="2700000">
+                <a:off x="2076276" y="2358459"/>
+                <a:ext cx="904991" cy="261610"/>
+              </a:xfrm>
+              <a:prstGeom prst="rect">
+                <a:avLst/>
+              </a:prstGeom>
+              <a:blipFill rotWithShape="1">
+                <a:blip r:embed="rId4"/>
+                <a:stretch>
+                  <a:fillRect l="-2941"/>
+                </a:stretch>
+              </a:blipFill>
+            </p:spPr>
+            <p:txBody>
+              <a:bodyPr/>
+              <a:lstStyle/>
+              <a:p>
+                <a:r>
+                  <a:rPr lang="fr-FR">
+                    <a:noFill/>
+                  </a:rPr>
+                  <a:t> </a:t>
+                </a:r>
+              </a:p>
+            </p:txBody>
+          </p:sp>
+        </mc:Fallback>
+      </mc:AlternateContent>
+      <mc:AlternateContent xmlns:mc="http://schemas.openxmlformats.org/markup-compatibility/2006">
+        <mc:Choice xmlns:a14="http://schemas.microsoft.com/office/drawing/2010/main" Requires="a14">
+          <p:sp>
+            <p:nvSpPr>
+              <p:cNvPr id="34" name="ZoneTexte 33"/>
+              <p:cNvSpPr txBox="1"/>
+              <p:nvPr/>
+            </p:nvSpPr>
+            <p:spPr>
+              <a:xfrm rot="2700000">
+                <a:off x="2800789" y="2358459"/>
+                <a:ext cx="950132" cy="261610"/>
+              </a:xfrm>
+              <a:prstGeom prst="rect">
+                <a:avLst/>
+              </a:prstGeom>
+              <a:noFill/>
+            </p:spPr>
+            <p:txBody>
+              <a:bodyPr wrap="none" rtlCol="0">
+                <a:spAutoFit/>
+              </a:bodyPr>
+              <a:lstStyle/>
+              <a:p>
+                <a:r>
+                  <a:rPr lang="fr-FR" sz="1100" b="0" dirty="0" smtClean="0"/>
+                  <a:t>Glissière </a:t>
+                </a:r>
+                <a14:m>
+                  <m:oMath xmlns:m="http://schemas.openxmlformats.org/officeDocument/2006/math">
+                    <m:d>
+                      <m:dPr>
+                        <m:ctrlPr>
+                          <a:rPr lang="fr-FR" sz="1100" b="0" i="1" smtClean="0">
+                            <a:latin typeface="Cambria Math"/>
+                          </a:rPr>
+                        </m:ctrlPr>
+                      </m:dPr>
+                      <m:e>
+                        <m:acc>
+                          <m:accPr>
+                            <m:chr m:val="⃗"/>
+                            <m:ctrlPr>
+                              <a:rPr lang="fr-FR" sz="1100" b="0" i="1" smtClean="0">
+                                <a:latin typeface="Cambria Math"/>
+                              </a:rPr>
+                            </m:ctrlPr>
+                          </m:accPr>
+                          <m:e>
+                            <m:sSub>
+                              <m:sSubPr>
+                                <m:ctrlPr>
+                                  <a:rPr lang="fr-FR" sz="1100" b="0" i="1" smtClean="0">
+                                    <a:latin typeface="Cambria Math"/>
+                                  </a:rPr>
+                                </m:ctrlPr>
+                              </m:sSubPr>
+                              <m:e>
+                                <m:r>
+                                  <a:rPr lang="fr-FR" sz="1100" b="0" i="1" smtClean="0">
+                                    <a:latin typeface="Cambria Math"/>
+                                  </a:rPr>
+                                  <m:t>𝑧</m:t>
+                                </m:r>
+                              </m:e>
+                              <m:sub>
+                                <m:r>
+                                  <a:rPr lang="fr-FR" sz="1100" b="0" i="1" smtClean="0">
+                                    <a:latin typeface="Cambria Math"/>
+                                  </a:rPr>
+                                  <m:t>3</m:t>
+                                </m:r>
+                              </m:sub>
+                            </m:sSub>
+                          </m:e>
+                        </m:acc>
+                      </m:e>
+                    </m:d>
+                  </m:oMath>
+                </a14:m>
+                <a:endParaRPr lang="fr-FR" sz="1100" dirty="0"/>
+              </a:p>
+            </p:txBody>
+          </p:sp>
+        </mc:Choice>
+        <mc:Fallback>
+          <p:sp>
+            <p:nvSpPr>
+              <p:cNvPr id="34" name="ZoneTexte 33"/>
+              <p:cNvSpPr txBox="1">
+                <a:spLocks noRot="1" noChangeAspect="1" noMove="1" noResize="1" noEditPoints="1" noAdjustHandles="1" noChangeArrowheads="1" noChangeShapeType="1" noTextEdit="1"/>
+              </p:cNvSpPr>
+              <p:nvPr/>
+            </p:nvSpPr>
+            <p:spPr>
+              <a:xfrm rot="2700000">
+                <a:off x="2800789" y="2358459"/>
+                <a:ext cx="950132" cy="261610"/>
+              </a:xfrm>
+              <a:prstGeom prst="rect">
+                <a:avLst/>
+              </a:prstGeom>
+              <a:blipFill rotWithShape="1">
+                <a:blip r:embed="rId5"/>
+                <a:stretch>
+                  <a:fillRect l="-2837"/>
+                </a:stretch>
+              </a:blipFill>
+            </p:spPr>
+            <p:txBody>
+              <a:bodyPr/>
+              <a:lstStyle/>
+              <a:p>
+                <a:r>
+                  <a:rPr lang="fr-FR">
+                    <a:noFill/>
+                  </a:rPr>
+                  <a:t> </a:t>
+                </a:r>
+              </a:p>
+            </p:txBody>
+          </p:sp>
+        </mc:Fallback>
+      </mc:AlternateContent>
+      <p:cxnSp>
+        <p:nvCxnSpPr>
+          <p:cNvPr id="41" name="Connecteur droit 40"/>
+          <p:cNvCxnSpPr/>
+          <p:nvPr/>
+        </p:nvCxnSpPr>
+        <p:spPr>
+          <a:xfrm>
+            <a:off x="152400" y="1957215"/>
+            <a:ext cx="171128" cy="0"/>
+          </a:xfrm>
+          <a:prstGeom prst="line">
+            <a:avLst/>
+          </a:prstGeom>
+          <a:solidFill>
+            <a:schemeClr val="accent6">
+              <a:lumMod val="20000"/>
+              <a:lumOff val="80000"/>
+            </a:schemeClr>
+          </a:solidFill>
+          <a:ln w="19050">
+            <a:solidFill>
+              <a:schemeClr val="accent6">
+                <a:lumMod val="50000"/>
+              </a:schemeClr>
+            </a:solidFill>
+          </a:ln>
+        </p:spPr>
+        <p:style>
+          <a:lnRef idx="2">
+            <a:schemeClr val="accent1">
+              <a:shade val="50000"/>
+            </a:schemeClr>
+          </a:lnRef>
+          <a:fillRef idx="1">
+            <a:schemeClr val="accent1"/>
+          </a:fillRef>
+          <a:effectRef idx="0">
+            <a:schemeClr val="accent1"/>
+          </a:effectRef>
+          <a:fontRef idx="minor">
+            <a:schemeClr val="lt1"/>
+          </a:fontRef>
+        </p:style>
+      </p:cxnSp>
+      <p:cxnSp>
+        <p:nvCxnSpPr>
+          <p:cNvPr id="43" name="Connecteur droit 42"/>
+          <p:cNvCxnSpPr/>
+          <p:nvPr/>
+        </p:nvCxnSpPr>
+        <p:spPr>
+          <a:xfrm flipV="1">
+            <a:off x="152400" y="1813200"/>
+            <a:ext cx="0" cy="288031"/>
+          </a:xfrm>
+          <a:prstGeom prst="line">
+            <a:avLst/>
+          </a:prstGeom>
+          <a:solidFill>
+            <a:schemeClr val="accent6">
+              <a:lumMod val="20000"/>
+              <a:lumOff val="80000"/>
+            </a:schemeClr>
+          </a:solidFill>
+          <a:ln w="19050">
+            <a:solidFill>
+              <a:schemeClr val="accent6">
+                <a:lumMod val="50000"/>
+              </a:schemeClr>
+            </a:solidFill>
+          </a:ln>
+        </p:spPr>
+        <p:style>
+          <a:lnRef idx="2">
+            <a:schemeClr val="accent1">
+              <a:shade val="50000"/>
+            </a:schemeClr>
+          </a:lnRef>
+          <a:fillRef idx="1">
+            <a:schemeClr val="accent1"/>
+          </a:fillRef>
+          <a:effectRef idx="0">
+            <a:schemeClr val="accent1"/>
+          </a:effectRef>
+          <a:fontRef idx="minor">
+            <a:schemeClr val="lt1"/>
+          </a:fontRef>
+        </p:style>
+      </p:cxnSp>
+      <p:cxnSp>
+        <p:nvCxnSpPr>
+          <p:cNvPr id="44" name="Connecteur droit 43"/>
+          <p:cNvCxnSpPr>
+            <a:stCxn id="7" idx="1"/>
+            <a:endCxn id="8" idx="7"/>
+          </p:cNvCxnSpPr>
+          <p:nvPr/>
+        </p:nvCxnSpPr>
+        <p:spPr>
+          <a:xfrm rot="16200000" flipV="1">
+            <a:off x="1943708" y="481051"/>
+            <a:ext cx="12700" cy="2748658"/>
+          </a:xfrm>
+          <a:prstGeom prst="curvedConnector3">
+            <a:avLst>
+              <a:gd name="adj1" fmla="val 2132134"/>
+            </a:avLst>
+          </a:prstGeom>
+          <a:ln w="19050">
+            <a:solidFill>
+              <a:schemeClr val="tx1"/>
+            </a:solidFill>
+            <a:prstDash val="sysDash"/>
+          </a:ln>
+        </p:spPr>
+        <p:style>
+          <a:lnRef idx="1">
+            <a:schemeClr val="accent1"/>
+          </a:lnRef>
+          <a:fillRef idx="0">
+            <a:schemeClr val="accent1"/>
+          </a:fillRef>
+          <a:effectRef idx="0">
+            <a:schemeClr val="accent1"/>
+          </a:effectRef>
+          <a:fontRef idx="minor">
+            <a:schemeClr val="tx1"/>
+          </a:fontRef>
+        </p:style>
+      </p:cxnSp>
+      <p:sp>
+        <p:nvSpPr>
+          <p:cNvPr id="45" name="ZoneTexte 44"/>
+          <p:cNvSpPr txBox="1"/>
+          <p:nvPr/>
+        </p:nvSpPr>
+        <p:spPr>
+          <a:xfrm>
+            <a:off x="1401732" y="1340768"/>
+            <a:ext cx="1083951" cy="261610"/>
+          </a:xfrm>
+          <a:prstGeom prst="rect">
+            <a:avLst/>
+          </a:prstGeom>
+          <a:noFill/>
+        </p:spPr>
+        <p:txBody>
+          <a:bodyPr wrap="none" rtlCol="0">
+            <a:spAutoFit/>
+          </a:bodyPr>
+          <a:lstStyle/>
+          <a:p>
+            <a:r>
+              <a:rPr lang="fr-FR" sz="1100" b="0" dirty="0" smtClean="0"/>
+              <a:t>Liaison à définir</a:t>
+            </a:r>
+            <a:endParaRPr lang="fr-FR" sz="1100" dirty="0"/>
+          </a:p>
+        </p:txBody>
+      </p:sp>
+    </p:spTree>
+    <p:extLst>
+      <p:ext uri="{BB962C8B-B14F-4D97-AF65-F5344CB8AC3E}">
+        <p14:creationId xmlns:p14="http://schemas.microsoft.com/office/powerpoint/2010/main" val="1567687556"/>
+      </p:ext>
+    </p:extLst>
+  </p:cSld>
+  <p:clrMapOvr>
+    <a:masterClrMapping/>
+  </p:clrMapOvr>
+</p:sld>
+</file>
+
 <file path=ppt/theme/theme1.xml><?xml version="1.0" encoding="utf-8"?>
 <a:theme xmlns:a="http://schemas.openxmlformats.org/drawingml/2006/main" name="Thème Office">
   <a:themeElements>
